--- a/PWA/other/PWA渐进式Web应用介绍.pptx
+++ b/PWA/other/PWA渐进式Web应用介绍.pptx
@@ -5,12 +5,17 @@
     <p:sldMasterId id="2147483648" r:id="rId1"/>
   </p:sldMasterIdLst>
   <p:sldIdLst>
-    <p:sldId id="256" r:id="rId3"/>
-    <p:sldId id="257" r:id="rId4"/>
-    <p:sldId id="258" r:id="rId5"/>
-    <p:sldId id="259" r:id="rId6"/>
-    <p:sldId id="260" r:id="rId7"/>
-    <p:sldId id="261" r:id="rId8"/>
+    <p:sldId id="256" r:id="rId2"/>
+    <p:sldId id="257" r:id="rId3"/>
+    <p:sldId id="258" r:id="rId4"/>
+    <p:sldId id="259" r:id="rId5"/>
+    <p:sldId id="260" r:id="rId6"/>
+    <p:sldId id="261" r:id="rId7"/>
+    <p:sldId id="262" r:id="rId8"/>
+    <p:sldId id="263" r:id="rId9"/>
+    <p:sldId id="264" r:id="rId10"/>
+    <p:sldId id="265" r:id="rId11"/>
+    <p:sldId id="266" r:id="rId12"/>
   </p:sldIdLst>
   <p:sldSz cx="12192000" cy="6858000"/>
   <p:notesSz cx="6858000" cy="9144000"/>
@@ -109,6 +114,11 @@
       </a:defRPr>
     </a:lvl9pPr>
   </p:defaultTextStyle>
+  <p:extLst>
+    <p:ext uri="{EFAFB233-063F-42B5-8137-9DF3F51BA10A}">
+      <p15:sldGuideLst xmlns:p15="http://schemas.microsoft.com/office/powerpoint/2012/main"/>
+    </p:ext>
+  </p:extLst>
 </p:presentation>
 </file>
 
@@ -246,6 +256,7 @@
           <a:p>
             <a:fld id="{D997B5FA-0921-464F-AAE1-844C04324D75}" type="datetimeFigureOut">
               <a:rPr lang="zh-CN" altLang="en-US" smtClean="0"/>
+              <a:t>2017/7/7</a:t>
             </a:fld>
             <a:endParaRPr lang="zh-CN" altLang="en-US"/>
           </a:p>
@@ -287,6 +298,7 @@
           <a:p>
             <a:fld id="{565CE74E-AB26-4998-AD42-012C4C1AD076}" type="slidenum">
               <a:rPr lang="zh-CN" altLang="en-US" smtClean="0"/>
+              <a:t>‹#›</a:t>
             </a:fld>
             <a:endParaRPr lang="zh-CN" altLang="en-US"/>
           </a:p>
@@ -360,7 +372,6 @@
               <a:rPr lang="zh-CN" altLang="en-US" smtClean="0"/>
               <a:t>单击此处编辑母版文本样式</a:t>
             </a:r>
-            <a:endParaRPr lang="zh-CN" altLang="en-US" smtClean="0"/>
           </a:p>
           <a:p>
             <a:pPr lvl="1"/>
@@ -368,7 +379,6 @@
               <a:rPr lang="zh-CN" altLang="en-US" smtClean="0"/>
               <a:t>第二级</a:t>
             </a:r>
-            <a:endParaRPr lang="zh-CN" altLang="en-US" smtClean="0"/>
           </a:p>
           <a:p>
             <a:pPr lvl="2"/>
@@ -376,7 +386,6 @@
               <a:rPr lang="zh-CN" altLang="en-US" smtClean="0"/>
               <a:t>第三级</a:t>
             </a:r>
-            <a:endParaRPr lang="zh-CN" altLang="en-US" smtClean="0"/>
           </a:p>
           <a:p>
             <a:pPr lvl="3"/>
@@ -384,7 +393,6 @@
               <a:rPr lang="zh-CN" altLang="en-US" smtClean="0"/>
               <a:t>第四级</a:t>
             </a:r>
-            <a:endParaRPr lang="zh-CN" altLang="en-US" smtClean="0"/>
           </a:p>
           <a:p>
             <a:pPr lvl="4"/>
@@ -413,6 +421,7 @@
           <a:p>
             <a:fld id="{D997B5FA-0921-464F-AAE1-844C04324D75}" type="datetimeFigureOut">
               <a:rPr lang="zh-CN" altLang="en-US" smtClean="0"/>
+              <a:t>2017/7/7</a:t>
             </a:fld>
             <a:endParaRPr lang="zh-CN" altLang="en-US"/>
           </a:p>
@@ -454,6 +463,7 @@
           <a:p>
             <a:fld id="{565CE74E-AB26-4998-AD42-012C4C1AD076}" type="slidenum">
               <a:rPr lang="zh-CN" altLang="en-US" smtClean="0"/>
+              <a:t>‹#›</a:t>
             </a:fld>
             <a:endParaRPr lang="zh-CN" altLang="en-US"/>
           </a:p>
@@ -537,7 +547,6 @@
               <a:rPr lang="zh-CN" altLang="en-US" smtClean="0"/>
               <a:t>单击此处编辑母版文本样式</a:t>
             </a:r>
-            <a:endParaRPr lang="zh-CN" altLang="en-US" smtClean="0"/>
           </a:p>
           <a:p>
             <a:pPr lvl="1"/>
@@ -545,7 +554,6 @@
               <a:rPr lang="zh-CN" altLang="en-US" smtClean="0"/>
               <a:t>第二级</a:t>
             </a:r>
-            <a:endParaRPr lang="zh-CN" altLang="en-US" smtClean="0"/>
           </a:p>
           <a:p>
             <a:pPr lvl="2"/>
@@ -553,7 +561,6 @@
               <a:rPr lang="zh-CN" altLang="en-US" smtClean="0"/>
               <a:t>第三级</a:t>
             </a:r>
-            <a:endParaRPr lang="zh-CN" altLang="en-US" smtClean="0"/>
           </a:p>
           <a:p>
             <a:pPr lvl="3"/>
@@ -561,7 +568,6 @@
               <a:rPr lang="zh-CN" altLang="en-US" smtClean="0"/>
               <a:t>第四级</a:t>
             </a:r>
-            <a:endParaRPr lang="zh-CN" altLang="en-US" smtClean="0"/>
           </a:p>
           <a:p>
             <a:pPr lvl="4"/>
@@ -590,6 +596,7 @@
           <a:p>
             <a:fld id="{D997B5FA-0921-464F-AAE1-844C04324D75}" type="datetimeFigureOut">
               <a:rPr lang="zh-CN" altLang="en-US" smtClean="0"/>
+              <a:t>2017/7/7</a:t>
             </a:fld>
             <a:endParaRPr lang="zh-CN" altLang="en-US"/>
           </a:p>
@@ -631,6 +638,7 @@
           <a:p>
             <a:fld id="{565CE74E-AB26-4998-AD42-012C4C1AD076}" type="slidenum">
               <a:rPr lang="zh-CN" altLang="en-US" smtClean="0"/>
+              <a:t>‹#›</a:t>
             </a:fld>
             <a:endParaRPr lang="zh-CN" altLang="en-US"/>
           </a:p>
@@ -742,7 +750,6 @@
               <a:rPr lang="zh-CN" altLang="en-US" smtClean="0"/>
               <a:t>单击此处编辑母版文本样式</a:t>
             </a:r>
-            <a:endParaRPr lang="zh-CN" altLang="en-US" smtClean="0"/>
           </a:p>
           <a:p>
             <a:pPr lvl="1"/>
@@ -750,7 +757,6 @@
               <a:rPr lang="zh-CN" altLang="en-US" smtClean="0"/>
               <a:t>第二级</a:t>
             </a:r>
-            <a:endParaRPr lang="zh-CN" altLang="en-US" smtClean="0"/>
           </a:p>
           <a:p>
             <a:pPr lvl="2"/>
@@ -758,7 +764,6 @@
               <a:rPr lang="zh-CN" altLang="en-US" smtClean="0"/>
               <a:t>第三级</a:t>
             </a:r>
-            <a:endParaRPr lang="zh-CN" altLang="en-US" smtClean="0"/>
           </a:p>
           <a:p>
             <a:pPr lvl="3"/>
@@ -766,7 +771,6 @@
               <a:rPr lang="zh-CN" altLang="en-US" smtClean="0"/>
               <a:t>第四级</a:t>
             </a:r>
-            <a:endParaRPr lang="zh-CN" altLang="en-US" smtClean="0"/>
           </a:p>
           <a:p>
             <a:pPr lvl="4"/>
@@ -795,6 +799,7 @@
           <a:p>
             <a:fld id="{D997B5FA-0921-464F-AAE1-844C04324D75}" type="datetimeFigureOut">
               <a:rPr lang="zh-CN" altLang="en-US" smtClean="0"/>
+              <a:t>2017/7/7</a:t>
             </a:fld>
             <a:endParaRPr lang="zh-CN" altLang="en-US"/>
           </a:p>
@@ -836,6 +841,7 @@
           <a:p>
             <a:fld id="{565CE74E-AB26-4998-AD42-012C4C1AD076}" type="slidenum">
               <a:rPr lang="zh-CN" altLang="en-US" smtClean="0"/>
+              <a:t>‹#›</a:t>
             </a:fld>
             <a:endParaRPr lang="zh-CN" altLang="en-US"/>
           </a:p>
@@ -1014,7 +1020,6 @@
               <a:rPr lang="zh-CN" altLang="en-US" smtClean="0"/>
               <a:t>单击此处编辑母版文本样式</a:t>
             </a:r>
-            <a:endParaRPr lang="zh-CN" altLang="en-US" smtClean="0"/>
           </a:p>
         </p:txBody>
       </p:sp>
@@ -1035,6 +1040,7 @@
           <a:p>
             <a:fld id="{D997B5FA-0921-464F-AAE1-844C04324D75}" type="datetimeFigureOut">
               <a:rPr lang="zh-CN" altLang="en-US" smtClean="0"/>
+              <a:t>2017/7/7</a:t>
             </a:fld>
             <a:endParaRPr lang="zh-CN" altLang="en-US"/>
           </a:p>
@@ -1076,6 +1082,7 @@
           <a:p>
             <a:fld id="{565CE74E-AB26-4998-AD42-012C4C1AD076}" type="slidenum">
               <a:rPr lang="zh-CN" altLang="en-US" smtClean="0"/>
+              <a:t>‹#›</a:t>
             </a:fld>
             <a:endParaRPr lang="zh-CN" altLang="en-US"/>
           </a:p>
@@ -1154,7 +1161,6 @@
               <a:rPr lang="zh-CN" altLang="en-US" smtClean="0"/>
               <a:t>单击此处编辑母版文本样式</a:t>
             </a:r>
-            <a:endParaRPr lang="zh-CN" altLang="en-US" smtClean="0"/>
           </a:p>
           <a:p>
             <a:pPr lvl="1"/>
@@ -1162,7 +1168,6 @@
               <a:rPr lang="zh-CN" altLang="en-US" smtClean="0"/>
               <a:t>第二级</a:t>
             </a:r>
-            <a:endParaRPr lang="zh-CN" altLang="en-US" smtClean="0"/>
           </a:p>
           <a:p>
             <a:pPr lvl="2"/>
@@ -1170,7 +1175,6 @@
               <a:rPr lang="zh-CN" altLang="en-US" smtClean="0"/>
               <a:t>第三级</a:t>
             </a:r>
-            <a:endParaRPr lang="zh-CN" altLang="en-US" smtClean="0"/>
           </a:p>
           <a:p>
             <a:pPr lvl="3"/>
@@ -1178,7 +1182,6 @@
               <a:rPr lang="zh-CN" altLang="en-US" smtClean="0"/>
               <a:t>第四级</a:t>
             </a:r>
-            <a:endParaRPr lang="zh-CN" altLang="en-US" smtClean="0"/>
           </a:p>
           <a:p>
             <a:pPr lvl="4"/>
@@ -1215,7 +1218,6 @@
               <a:rPr lang="zh-CN" altLang="en-US" smtClean="0"/>
               <a:t>单击此处编辑母版文本样式</a:t>
             </a:r>
-            <a:endParaRPr lang="zh-CN" altLang="en-US" smtClean="0"/>
           </a:p>
           <a:p>
             <a:pPr lvl="1"/>
@@ -1223,7 +1225,6 @@
               <a:rPr lang="zh-CN" altLang="en-US" smtClean="0"/>
               <a:t>第二级</a:t>
             </a:r>
-            <a:endParaRPr lang="zh-CN" altLang="en-US" smtClean="0"/>
           </a:p>
           <a:p>
             <a:pPr lvl="2"/>
@@ -1231,7 +1232,6 @@
               <a:rPr lang="zh-CN" altLang="en-US" smtClean="0"/>
               <a:t>第三级</a:t>
             </a:r>
-            <a:endParaRPr lang="zh-CN" altLang="en-US" smtClean="0"/>
           </a:p>
           <a:p>
             <a:pPr lvl="3"/>
@@ -1239,7 +1239,6 @@
               <a:rPr lang="zh-CN" altLang="en-US" smtClean="0"/>
               <a:t>第四级</a:t>
             </a:r>
-            <a:endParaRPr lang="zh-CN" altLang="en-US" smtClean="0"/>
           </a:p>
           <a:p>
             <a:pPr lvl="4"/>
@@ -1268,6 +1267,7 @@
           <a:p>
             <a:fld id="{D997B5FA-0921-464F-AAE1-844C04324D75}" type="datetimeFigureOut">
               <a:rPr lang="zh-CN" altLang="en-US" smtClean="0"/>
+              <a:t>2017/7/7</a:t>
             </a:fld>
             <a:endParaRPr lang="zh-CN" altLang="en-US"/>
           </a:p>
@@ -1309,6 +1309,7 @@
           <a:p>
             <a:fld id="{565CE74E-AB26-4998-AD42-012C4C1AD076}" type="slidenum">
               <a:rPr lang="zh-CN" altLang="en-US" smtClean="0"/>
+              <a:t>‹#›</a:t>
             </a:fld>
             <a:endParaRPr lang="zh-CN" altLang="en-US"/>
           </a:p>
@@ -1429,7 +1430,6 @@
               <a:rPr lang="zh-CN" altLang="en-US" smtClean="0"/>
               <a:t>单击此处编辑母版文本样式</a:t>
             </a:r>
-            <a:endParaRPr lang="zh-CN" altLang="en-US" smtClean="0"/>
           </a:p>
         </p:txBody>
       </p:sp>
@@ -1458,7 +1458,6 @@
               <a:rPr lang="zh-CN" altLang="en-US" smtClean="0"/>
               <a:t>单击此处编辑母版文本样式</a:t>
             </a:r>
-            <a:endParaRPr lang="zh-CN" altLang="en-US" smtClean="0"/>
           </a:p>
           <a:p>
             <a:pPr lvl="1"/>
@@ -1466,7 +1465,6 @@
               <a:rPr lang="zh-CN" altLang="en-US" smtClean="0"/>
               <a:t>第二级</a:t>
             </a:r>
-            <a:endParaRPr lang="zh-CN" altLang="en-US" smtClean="0"/>
           </a:p>
           <a:p>
             <a:pPr lvl="2"/>
@@ -1474,7 +1472,6 @@
               <a:rPr lang="zh-CN" altLang="en-US" smtClean="0"/>
               <a:t>第三级</a:t>
             </a:r>
-            <a:endParaRPr lang="zh-CN" altLang="en-US" smtClean="0"/>
           </a:p>
           <a:p>
             <a:pPr lvl="3"/>
@@ -1482,7 +1479,6 @@
               <a:rPr lang="zh-CN" altLang="en-US" smtClean="0"/>
               <a:t>第四级</a:t>
             </a:r>
-            <a:endParaRPr lang="zh-CN" altLang="en-US" smtClean="0"/>
           </a:p>
           <a:p>
             <a:pPr lvl="4"/>
@@ -1556,7 +1552,6 @@
               <a:rPr lang="zh-CN" altLang="en-US" smtClean="0"/>
               <a:t>单击此处编辑母版文本样式</a:t>
             </a:r>
-            <a:endParaRPr lang="zh-CN" altLang="en-US" smtClean="0"/>
           </a:p>
         </p:txBody>
       </p:sp>
@@ -1585,7 +1580,6 @@
               <a:rPr lang="zh-CN" altLang="en-US" smtClean="0"/>
               <a:t>单击此处编辑母版文本样式</a:t>
             </a:r>
-            <a:endParaRPr lang="zh-CN" altLang="en-US" smtClean="0"/>
           </a:p>
           <a:p>
             <a:pPr lvl="1"/>
@@ -1593,7 +1587,6 @@
               <a:rPr lang="zh-CN" altLang="en-US" smtClean="0"/>
               <a:t>第二级</a:t>
             </a:r>
-            <a:endParaRPr lang="zh-CN" altLang="en-US" smtClean="0"/>
           </a:p>
           <a:p>
             <a:pPr lvl="2"/>
@@ -1601,7 +1594,6 @@
               <a:rPr lang="zh-CN" altLang="en-US" smtClean="0"/>
               <a:t>第三级</a:t>
             </a:r>
-            <a:endParaRPr lang="zh-CN" altLang="en-US" smtClean="0"/>
           </a:p>
           <a:p>
             <a:pPr lvl="3"/>
@@ -1609,7 +1601,6 @@
               <a:rPr lang="zh-CN" altLang="en-US" smtClean="0"/>
               <a:t>第四级</a:t>
             </a:r>
-            <a:endParaRPr lang="zh-CN" altLang="en-US" smtClean="0"/>
           </a:p>
           <a:p>
             <a:pPr lvl="4"/>
@@ -1638,6 +1629,7 @@
           <a:p>
             <a:fld id="{D997B5FA-0921-464F-AAE1-844C04324D75}" type="datetimeFigureOut">
               <a:rPr lang="zh-CN" altLang="en-US" smtClean="0"/>
+              <a:t>2017/7/7</a:t>
             </a:fld>
             <a:endParaRPr lang="zh-CN" altLang="en-US"/>
           </a:p>
@@ -1679,6 +1671,7 @@
           <a:p>
             <a:fld id="{565CE74E-AB26-4998-AD42-012C4C1AD076}" type="slidenum">
               <a:rPr lang="zh-CN" altLang="en-US" smtClean="0"/>
+              <a:t>‹#›</a:t>
             </a:fld>
             <a:endParaRPr lang="zh-CN" altLang="en-US"/>
           </a:p>
@@ -1756,6 +1749,7 @@
           <a:p>
             <a:fld id="{D997B5FA-0921-464F-AAE1-844C04324D75}" type="datetimeFigureOut">
               <a:rPr lang="zh-CN" altLang="en-US" smtClean="0"/>
+              <a:t>2017/7/7</a:t>
             </a:fld>
             <a:endParaRPr lang="zh-CN" altLang="en-US"/>
           </a:p>
@@ -1797,6 +1791,7 @@
           <a:p>
             <a:fld id="{565CE74E-AB26-4998-AD42-012C4C1AD076}" type="slidenum">
               <a:rPr lang="zh-CN" altLang="en-US" smtClean="0"/>
+              <a:t>‹#›</a:t>
             </a:fld>
             <a:endParaRPr lang="zh-CN" altLang="en-US"/>
           </a:p>
@@ -1844,6 +1839,7 @@
           <a:p>
             <a:fld id="{D997B5FA-0921-464F-AAE1-844C04324D75}" type="datetimeFigureOut">
               <a:rPr lang="zh-CN" altLang="en-US" smtClean="0"/>
+              <a:t>2017/7/7</a:t>
             </a:fld>
             <a:endParaRPr lang="zh-CN" altLang="en-US"/>
           </a:p>
@@ -1885,6 +1881,7 @@
           <a:p>
             <a:fld id="{565CE74E-AB26-4998-AD42-012C4C1AD076}" type="slidenum">
               <a:rPr lang="zh-CN" altLang="en-US" smtClean="0"/>
+              <a:t>‹#›</a:t>
             </a:fld>
             <a:endParaRPr lang="zh-CN" altLang="en-US"/>
           </a:p>
@@ -2000,7 +1997,6 @@
               <a:rPr lang="zh-CN" altLang="en-US" smtClean="0"/>
               <a:t>单击此处编辑母版文本样式</a:t>
             </a:r>
-            <a:endParaRPr lang="zh-CN" altLang="en-US" smtClean="0"/>
           </a:p>
           <a:p>
             <a:pPr lvl="1"/>
@@ -2008,7 +2004,6 @@
               <a:rPr lang="zh-CN" altLang="en-US" smtClean="0"/>
               <a:t>第二级</a:t>
             </a:r>
-            <a:endParaRPr lang="zh-CN" altLang="en-US" smtClean="0"/>
           </a:p>
           <a:p>
             <a:pPr lvl="2"/>
@@ -2016,7 +2011,6 @@
               <a:rPr lang="zh-CN" altLang="en-US" smtClean="0"/>
               <a:t>第三级</a:t>
             </a:r>
-            <a:endParaRPr lang="zh-CN" altLang="en-US" smtClean="0"/>
           </a:p>
           <a:p>
             <a:pPr lvl="3"/>
@@ -2024,7 +2018,6 @@
               <a:rPr lang="zh-CN" altLang="en-US" smtClean="0"/>
               <a:t>第四级</a:t>
             </a:r>
-            <a:endParaRPr lang="zh-CN" altLang="en-US" smtClean="0"/>
           </a:p>
           <a:p>
             <a:pPr lvl="4"/>
@@ -2098,7 +2091,6 @@
               <a:rPr lang="zh-CN" altLang="en-US" smtClean="0"/>
               <a:t>单击此处编辑母版文本样式</a:t>
             </a:r>
-            <a:endParaRPr lang="zh-CN" altLang="en-US" smtClean="0"/>
           </a:p>
         </p:txBody>
       </p:sp>
@@ -2119,6 +2111,7 @@
           <a:p>
             <a:fld id="{D997B5FA-0921-464F-AAE1-844C04324D75}" type="datetimeFigureOut">
               <a:rPr lang="zh-CN" altLang="en-US" smtClean="0"/>
+              <a:t>2017/7/7</a:t>
             </a:fld>
             <a:endParaRPr lang="zh-CN" altLang="en-US"/>
           </a:p>
@@ -2160,6 +2153,7 @@
           <a:p>
             <a:fld id="{565CE74E-AB26-4998-AD42-012C4C1AD076}" type="slidenum">
               <a:rPr lang="zh-CN" altLang="en-US" smtClean="0"/>
+              <a:t>‹#›</a:t>
             </a:fld>
             <a:endParaRPr lang="zh-CN" altLang="en-US"/>
           </a:p>
@@ -2345,7 +2339,6 @@
               <a:rPr lang="zh-CN" altLang="en-US" smtClean="0"/>
               <a:t>单击此处编辑母版文本样式</a:t>
             </a:r>
-            <a:endParaRPr lang="zh-CN" altLang="en-US" smtClean="0"/>
           </a:p>
         </p:txBody>
       </p:sp>
@@ -2366,6 +2359,7 @@
           <a:p>
             <a:fld id="{D997B5FA-0921-464F-AAE1-844C04324D75}" type="datetimeFigureOut">
               <a:rPr lang="zh-CN" altLang="en-US" smtClean="0"/>
+              <a:t>2017/7/7</a:t>
             </a:fld>
             <a:endParaRPr lang="zh-CN" altLang="en-US"/>
           </a:p>
@@ -2407,6 +2401,7 @@
           <a:p>
             <a:fld id="{565CE74E-AB26-4998-AD42-012C4C1AD076}" type="slidenum">
               <a:rPr lang="zh-CN" altLang="en-US" smtClean="0"/>
+              <a:t>‹#›</a:t>
             </a:fld>
             <a:endParaRPr lang="zh-CN" altLang="en-US"/>
           </a:p>
@@ -2505,7 +2500,6 @@
               <a:rPr lang="zh-CN" altLang="en-US" smtClean="0"/>
               <a:t>单击此处编辑母版文本样式</a:t>
             </a:r>
-            <a:endParaRPr lang="zh-CN" altLang="en-US" smtClean="0"/>
           </a:p>
           <a:p>
             <a:pPr lvl="1"/>
@@ -2513,7 +2507,6 @@
               <a:rPr lang="zh-CN" altLang="en-US" smtClean="0"/>
               <a:t>第二级</a:t>
             </a:r>
-            <a:endParaRPr lang="zh-CN" altLang="en-US" smtClean="0"/>
           </a:p>
           <a:p>
             <a:pPr lvl="2"/>
@@ -2521,7 +2514,6 @@
               <a:rPr lang="zh-CN" altLang="en-US" smtClean="0"/>
               <a:t>第三级</a:t>
             </a:r>
-            <a:endParaRPr lang="zh-CN" altLang="en-US" smtClean="0"/>
           </a:p>
           <a:p>
             <a:pPr lvl="3"/>
@@ -2529,7 +2521,6 @@
               <a:rPr lang="zh-CN" altLang="en-US" smtClean="0"/>
               <a:t>第四级</a:t>
             </a:r>
-            <a:endParaRPr lang="zh-CN" altLang="en-US" smtClean="0"/>
           </a:p>
           <a:p>
             <a:pPr lvl="4"/>
@@ -2576,6 +2567,7 @@
           <a:p>
             <a:fld id="{D997B5FA-0921-464F-AAE1-844C04324D75}" type="datetimeFigureOut">
               <a:rPr lang="zh-CN" altLang="en-US" smtClean="0"/>
+              <a:t>2017/7/7</a:t>
             </a:fld>
             <a:endParaRPr lang="zh-CN" altLang="en-US"/>
           </a:p>
@@ -2653,6 +2645,7 @@
           <a:p>
             <a:fld id="{565CE74E-AB26-4998-AD42-012C4C1AD076}" type="slidenum">
               <a:rPr lang="zh-CN" altLang="en-US" smtClean="0"/>
+              <a:t>‹#›</a:t>
             </a:fld>
             <a:endParaRPr lang="zh-CN" altLang="en-US"/>
           </a:p>
@@ -2966,7 +2959,14 @@
         <p:cNvGrpSpPr/>
         <p:nvPr/>
       </p:nvGrpSpPr>
-      <p:grpSpPr/>
+      <p:grpSpPr>
+        <a:xfrm>
+          <a:off x="0" y="0"/>
+          <a:ext cx="0" cy="0"/>
+          <a:chOff x="0" y="0"/>
+          <a:chExt cx="0" cy="0"/>
+        </a:xfrm>
+      </p:grpSpPr>
       <p:sp>
         <p:nvSpPr>
           <p:cNvPr id="2" name="标题 1"/>
@@ -2980,6 +2980,7 @@
         <p:spPr/>
         <p:txBody>
           <a:bodyPr/>
+          <a:lstStyle/>
           <a:p>
             <a:r>
               <a:rPr lang="zh-CN" altLang="en-US">
@@ -3002,14 +3003,223 @@
               </a:rPr>
               <a:t>应用介绍</a:t>
             </a:r>
-            <a:endParaRPr lang="zh-CN" altLang="en-US">
-              <a:latin typeface="微软雅黑" panose="020B0503020204020204" charset="-122"/>
-              <a:ea typeface="微软雅黑" panose="020B0503020204020204" charset="-122"/>
-            </a:endParaRPr>
           </a:p>
         </p:txBody>
       </p:sp>
     </p:spTree>
+  </p:cSld>
+  <p:clrMapOvr>
+    <a:masterClrMapping/>
+  </p:clrMapOvr>
+</p:sld>
+</file>
+
+<file path=ppt/slides/slide10.xml><?xml version="1.0" encoding="utf-8"?>
+<p:sld xmlns:a="http://schemas.openxmlformats.org/drawingml/2006/main" xmlns:r="http://schemas.openxmlformats.org/officeDocument/2006/relationships" xmlns:p="http://schemas.openxmlformats.org/presentationml/2006/main">
+  <p:cSld>
+    <p:spTree>
+      <p:nvGrpSpPr>
+        <p:cNvPr id="1" name=""/>
+        <p:cNvGrpSpPr/>
+        <p:nvPr/>
+      </p:nvGrpSpPr>
+      <p:grpSpPr>
+        <a:xfrm>
+          <a:off x="0" y="0"/>
+          <a:ext cx="0" cy="0"/>
+          <a:chOff x="0" y="0"/>
+          <a:chExt cx="0" cy="0"/>
+        </a:xfrm>
+      </p:grpSpPr>
+      <p:sp>
+        <p:nvSpPr>
+          <p:cNvPr id="2" name="标题 1"/>
+          <p:cNvSpPr>
+            <a:spLocks noGrp="1"/>
+          </p:cNvSpPr>
+          <p:nvPr>
+            <p:ph type="title"/>
+          </p:nvPr>
+        </p:nvSpPr>
+        <p:spPr/>
+        <p:txBody>
+          <a:bodyPr/>
+          <a:lstStyle/>
+          <a:p>
+            <a:r>
+              <a:rPr lang="en-US" altLang="zh-CN" dirty="0" smtClean="0"/>
+              <a:t>Service Worker </a:t>
+            </a:r>
+            <a:r>
+              <a:rPr lang="zh-CN" altLang="en-US" dirty="0" smtClean="0"/>
+              <a:t>接口</a:t>
+            </a:r>
+            <a:endParaRPr lang="zh-CN" altLang="en-US" dirty="0"/>
+          </a:p>
+        </p:txBody>
+      </p:sp>
+      <p:sp>
+        <p:nvSpPr>
+          <p:cNvPr id="3" name="内容占位符 2"/>
+          <p:cNvSpPr>
+            <a:spLocks noGrp="1"/>
+          </p:cNvSpPr>
+          <p:nvPr>
+            <p:ph idx="1"/>
+          </p:nvPr>
+        </p:nvSpPr>
+        <p:spPr/>
+        <p:txBody>
+          <a:bodyPr/>
+          <a:lstStyle/>
+          <a:p>
+            <a:r>
+              <a:rPr lang="zh-CN" altLang="en-US" dirty="0"/>
+              <a:t>使用</a:t>
+            </a:r>
+            <a:r>
+              <a:rPr lang="en-US" altLang="zh-CN" dirty="0"/>
+              <a:t>Promise</a:t>
+            </a:r>
+            <a:r>
+              <a:rPr lang="zh-CN" altLang="en-US" dirty="0"/>
+              <a:t>，减少代码嵌套</a:t>
+            </a:r>
+            <a:endParaRPr lang="en-US" altLang="zh-CN" dirty="0"/>
+          </a:p>
+          <a:p>
+            <a:r>
+              <a:rPr lang="zh-CN" altLang="en-US" dirty="0"/>
+              <a:t>增强的</a:t>
+            </a:r>
+            <a:r>
+              <a:rPr lang="en-US" altLang="zh-CN" dirty="0"/>
+              <a:t>Fetch</a:t>
+            </a:r>
+            <a:r>
+              <a:rPr lang="zh-CN" altLang="en-US" dirty="0"/>
+              <a:t>接口</a:t>
+            </a:r>
+            <a:endParaRPr lang="en-US" altLang="zh-CN" dirty="0"/>
+          </a:p>
+          <a:p>
+            <a:r>
+              <a:rPr lang="zh-CN" altLang="en-US" dirty="0"/>
+              <a:t>线程通讯的</a:t>
+            </a:r>
+            <a:r>
+              <a:rPr lang="en-US" altLang="zh-CN" dirty="0"/>
+              <a:t>Message</a:t>
+            </a:r>
+            <a:r>
+              <a:rPr lang="zh-CN" altLang="en-US" dirty="0" smtClean="0"/>
+              <a:t>接口</a:t>
+            </a:r>
+            <a:endParaRPr lang="en-US" altLang="zh-CN" dirty="0"/>
+          </a:p>
+          <a:p>
+            <a:r>
+              <a:rPr lang="zh-CN" altLang="en-US" dirty="0" smtClean="0"/>
+              <a:t>缓存</a:t>
+            </a:r>
+            <a:r>
+              <a:rPr lang="en-US" altLang="zh-CN" dirty="0" smtClean="0"/>
+              <a:t>Cache </a:t>
+            </a:r>
+            <a:r>
+              <a:rPr lang="zh-CN" altLang="en-US" dirty="0" smtClean="0"/>
+              <a:t>接口</a:t>
+            </a:r>
+            <a:endParaRPr lang="zh-CN" altLang="en-US" dirty="0"/>
+          </a:p>
+        </p:txBody>
+      </p:sp>
+    </p:spTree>
+    <p:extLst>
+      <p:ext uri="{BB962C8B-B14F-4D97-AF65-F5344CB8AC3E}">
+        <p14:creationId xmlns:p14="http://schemas.microsoft.com/office/powerpoint/2010/main" val="2428899441"/>
+      </p:ext>
+    </p:extLst>
+  </p:cSld>
+  <p:clrMapOvr>
+    <a:masterClrMapping/>
+  </p:clrMapOvr>
+</p:sld>
+</file>
+
+<file path=ppt/slides/slide11.xml><?xml version="1.0" encoding="utf-8"?>
+<p:sld xmlns:a="http://schemas.openxmlformats.org/drawingml/2006/main" xmlns:r="http://schemas.openxmlformats.org/officeDocument/2006/relationships" xmlns:p="http://schemas.openxmlformats.org/presentationml/2006/main">
+  <p:cSld>
+    <p:spTree>
+      <p:nvGrpSpPr>
+        <p:cNvPr id="1" name=""/>
+        <p:cNvGrpSpPr/>
+        <p:nvPr/>
+      </p:nvGrpSpPr>
+      <p:grpSpPr>
+        <a:xfrm>
+          <a:off x="0" y="0"/>
+          <a:ext cx="0" cy="0"/>
+          <a:chOff x="0" y="0"/>
+          <a:chExt cx="0" cy="0"/>
+        </a:xfrm>
+      </p:grpSpPr>
+      <p:sp>
+        <p:nvSpPr>
+          <p:cNvPr id="2" name="标题 1"/>
+          <p:cNvSpPr>
+            <a:spLocks noGrp="1"/>
+          </p:cNvSpPr>
+          <p:nvPr>
+            <p:ph type="title"/>
+          </p:nvPr>
+        </p:nvSpPr>
+        <p:spPr/>
+        <p:txBody>
+          <a:bodyPr/>
+          <a:lstStyle/>
+          <a:p>
+            <a:r>
+              <a:rPr lang="en-US" altLang="zh-CN" dirty="0"/>
+              <a:t>Service </a:t>
+            </a:r>
+            <a:r>
+              <a:rPr lang="en-US" altLang="zh-CN" dirty="0" smtClean="0"/>
+              <a:t>Worker </a:t>
+            </a:r>
+            <a:r>
+              <a:rPr lang="zh-CN" altLang="en-US" dirty="0" smtClean="0"/>
+              <a:t>生命周期</a:t>
+            </a:r>
+            <a:endParaRPr lang="zh-CN" altLang="en-US" dirty="0"/>
+          </a:p>
+        </p:txBody>
+      </p:sp>
+      <p:sp>
+        <p:nvSpPr>
+          <p:cNvPr id="3" name="内容占位符 2"/>
+          <p:cNvSpPr>
+            <a:spLocks noGrp="1"/>
+          </p:cNvSpPr>
+          <p:nvPr>
+            <p:ph idx="1"/>
+          </p:nvPr>
+        </p:nvSpPr>
+        <p:spPr/>
+        <p:txBody>
+          <a:bodyPr/>
+          <a:lstStyle/>
+          <a:p>
+            <a:endParaRPr lang="zh-CN" altLang="en-US" dirty="0"/>
+          </a:p>
+        </p:txBody>
+      </p:sp>
+    </p:spTree>
+    <p:extLst>
+      <p:ext uri="{BB962C8B-B14F-4D97-AF65-F5344CB8AC3E}">
+        <p14:creationId xmlns:p14="http://schemas.microsoft.com/office/powerpoint/2010/main" val="1244576664"/>
+      </p:ext>
+    </p:extLst>
   </p:cSld>
   <p:clrMapOvr>
     <a:masterClrMapping/>
@@ -3026,7 +3236,14 @@
         <p:cNvGrpSpPr/>
         <p:nvPr/>
       </p:nvGrpSpPr>
-      <p:grpSpPr/>
+      <p:grpSpPr>
+        <a:xfrm>
+          <a:off x="0" y="0"/>
+          <a:ext cx="0" cy="0"/>
+          <a:chOff x="0" y="0"/>
+          <a:chExt cx="0" cy="0"/>
+        </a:xfrm>
+      </p:grpSpPr>
       <p:sp>
         <p:nvSpPr>
           <p:cNvPr id="2" name="标题 1"/>
@@ -3040,12 +3257,12 @@
         <p:spPr/>
         <p:txBody>
           <a:bodyPr/>
+          <a:lstStyle/>
           <a:p>
             <a:r>
               <a:rPr lang="zh-CN" altLang="en-US"/>
               <a:t>内容</a:t>
             </a:r>
-            <a:endParaRPr lang="zh-CN" altLang="en-US"/>
           </a:p>
         </p:txBody>
       </p:sp>
@@ -3062,19 +3279,18 @@
         <p:spPr/>
         <p:txBody>
           <a:bodyPr/>
+          <a:lstStyle/>
           <a:p>
             <a:r>
               <a:rPr lang="zh-CN" altLang="en-US"/>
               <a:t>产生背景</a:t>
             </a:r>
-            <a:endParaRPr lang="zh-CN" altLang="en-US"/>
           </a:p>
           <a:p>
             <a:r>
               <a:rPr lang="zh-CN" altLang="en-US"/>
               <a:t>技术组成</a:t>
             </a:r>
-            <a:endParaRPr lang="zh-CN" altLang="en-US"/>
           </a:p>
           <a:p>
             <a:r>
@@ -3085,14 +3301,12 @@
               <a:rPr lang="en-US" altLang="zh-CN"/>
               <a:t>——Service Worker</a:t>
             </a:r>
-            <a:endParaRPr lang="en-US" altLang="zh-CN"/>
           </a:p>
           <a:p>
             <a:r>
               <a:rPr lang="zh-CN" altLang="en-US"/>
               <a:t>问题及解决方案</a:t>
             </a:r>
-            <a:endParaRPr lang="zh-CN" altLang="en-US"/>
           </a:p>
         </p:txBody>
       </p:sp>
@@ -3113,7 +3327,14 @@
         <p:cNvGrpSpPr/>
         <p:nvPr/>
       </p:nvGrpSpPr>
-      <p:grpSpPr/>
+      <p:grpSpPr>
+        <a:xfrm>
+          <a:off x="0" y="0"/>
+          <a:ext cx="0" cy="0"/>
+          <a:chOff x="0" y="0"/>
+          <a:chExt cx="0" cy="0"/>
+        </a:xfrm>
+      </p:grpSpPr>
       <p:sp>
         <p:nvSpPr>
           <p:cNvPr id="2" name="标题 1"/>
@@ -3127,12 +3348,12 @@
         <p:spPr/>
         <p:txBody>
           <a:bodyPr/>
+          <a:lstStyle/>
           <a:p>
             <a:r>
               <a:rPr lang="zh-CN" altLang="en-US"/>
               <a:t>产生背景</a:t>
             </a:r>
-            <a:endParaRPr lang="zh-CN" altLang="en-US"/>
           </a:p>
         </p:txBody>
       </p:sp>
@@ -3149,41 +3370,46 @@
         <p:spPr/>
         <p:txBody>
           <a:bodyPr/>
-          <a:p>
-            <a:r>
-              <a:rPr lang="zh-CN" altLang="en-US"/>
+          <a:lstStyle/>
+          <a:p>
+            <a:r>
+              <a:rPr lang="zh-CN" altLang="en-US" dirty="0"/>
               <a:t>移动互联网时代</a:t>
             </a:r>
-            <a:endParaRPr lang="zh-CN" altLang="en-US"/>
-          </a:p>
-          <a:p>
-            <a:r>
-              <a:rPr lang="zh-CN" altLang="en-US"/>
+          </a:p>
+          <a:p>
+            <a:r>
+              <a:rPr lang="zh-CN" altLang="en-US" dirty="0"/>
               <a:t>随时随地，方便快捷</a:t>
             </a:r>
-            <a:endParaRPr lang="zh-CN" altLang="en-US"/>
-          </a:p>
-          <a:p>
-            <a:r>
-              <a:rPr lang="zh-CN" altLang="en-US"/>
+          </a:p>
+          <a:p>
+            <a:r>
+              <a:rPr lang="zh-CN" altLang="en-US" dirty="0"/>
               <a:t>移动网络带宽受限，网络情况复杂</a:t>
             </a:r>
-            <a:endParaRPr lang="zh-CN" altLang="en-US"/>
-          </a:p>
-          <a:p>
-            <a:r>
-              <a:rPr lang="zh-CN" altLang="en-US"/>
-              <a:t>传统网站失去了优势，</a:t>
-            </a:r>
-            <a:r>
-              <a:rPr lang="en-US" altLang="zh-CN"/>
+          </a:p>
+          <a:p>
+            <a:r>
+              <a:rPr lang="zh-CN" altLang="en-US" dirty="0"/>
+              <a:t>传统</a:t>
+            </a:r>
+            <a:r>
+              <a:rPr lang="zh-CN" altLang="en-US" dirty="0" smtClean="0"/>
+              <a:t>网站在移动端失去</a:t>
+            </a:r>
+            <a:r>
+              <a:rPr lang="zh-CN" altLang="en-US" dirty="0"/>
+              <a:t>了优势，</a:t>
+            </a:r>
+            <a:r>
+              <a:rPr lang="en-US" altLang="zh-CN" dirty="0"/>
               <a:t>APP</a:t>
             </a:r>
             <a:r>
-              <a:rPr lang="zh-CN" altLang="en-US"/>
+              <a:rPr lang="zh-CN" altLang="en-US" dirty="0"/>
               <a:t>成为主要的内容载体</a:t>
             </a:r>
-            <a:endParaRPr lang="zh-CN" altLang="en-US"/>
           </a:p>
         </p:txBody>
       </p:sp>
@@ -3204,7 +3430,14 @@
         <p:cNvGrpSpPr/>
         <p:nvPr/>
       </p:nvGrpSpPr>
-      <p:grpSpPr/>
+      <p:grpSpPr>
+        <a:xfrm>
+          <a:off x="0" y="0"/>
+          <a:ext cx="0" cy="0"/>
+          <a:chOff x="0" y="0"/>
+          <a:chExt cx="0" cy="0"/>
+        </a:xfrm>
+      </p:grpSpPr>
       <p:sp>
         <p:nvSpPr>
           <p:cNvPr id="2" name="标题 1"/>
@@ -3218,12 +3451,12 @@
         <p:spPr/>
         <p:txBody>
           <a:bodyPr/>
+          <a:lstStyle/>
           <a:p>
             <a:r>
               <a:rPr lang="en-US" altLang="zh-CN"/>
               <a:t>Progress Web Apps</a:t>
             </a:r>
-            <a:endParaRPr lang="en-US" altLang="zh-CN"/>
           </a:p>
         </p:txBody>
       </p:sp>
@@ -3240,6 +3473,7 @@
         <p:spPr/>
         <p:txBody>
           <a:bodyPr/>
+          <a:lstStyle/>
           <a:p>
             <a:r>
               <a:rPr lang="en-US" altLang="zh-CN"/>
@@ -3265,14 +3499,12 @@
               <a:rPr lang="zh-CN" altLang="en-US"/>
               <a:t>重新焕发光彩</a:t>
             </a:r>
-            <a:endParaRPr lang="zh-CN" altLang="en-US"/>
           </a:p>
           <a:p>
             <a:r>
               <a:rPr lang="zh-CN" altLang="zh-CN"/>
               <a:t>长啥样？</a:t>
             </a:r>
-            <a:endParaRPr lang="zh-CN" altLang="zh-CN"/>
           </a:p>
           <a:p>
             <a:pPr lvl="1"/>
@@ -3288,7 +3520,6 @@
               <a:rPr lang="zh-CN" altLang="en-US"/>
               <a:t>从网站开始</a:t>
             </a:r>
-            <a:endParaRPr lang="zh-CN" altLang="en-US"/>
           </a:p>
           <a:p>
             <a:pPr lvl="1"/>
@@ -3298,13 +3529,8 @@
             </a:r>
             <a:r>
               <a:rPr lang="en-US" altLang="zh-CN"/>
-              <a:t>application </a:t>
-            </a:r>
-            <a:r>
-              <a:rPr lang="en-US" altLang="zh-CN"/>
-              <a:t>shell</a:t>
-            </a:r>
-            <a:endParaRPr lang="en-US" altLang="zh-CN"/>
+              <a:t>application shell</a:t>
+            </a:r>
           </a:p>
           <a:p>
             <a:pPr lvl="1"/>
@@ -3312,7 +3538,6 @@
               <a:rPr lang="zh-CN" altLang="zh-CN"/>
               <a:t>第一次访问后便能离线缓存</a:t>
             </a:r>
-            <a:endParaRPr lang="zh-CN" altLang="zh-CN"/>
           </a:p>
           <a:p>
             <a:pPr lvl="1"/>
@@ -3320,7 +3545,6 @@
               <a:rPr lang="zh-CN" altLang="zh-CN"/>
               <a:t>支持消息推送</a:t>
             </a:r>
-            <a:endParaRPr lang="zh-CN" altLang="zh-CN"/>
           </a:p>
           <a:p>
             <a:pPr lvl="1"/>
@@ -3340,7 +3564,6 @@
               <a:rPr lang="zh-CN" altLang="en-US"/>
               <a:t>相近</a:t>
             </a:r>
-            <a:endParaRPr lang="zh-CN" altLang="en-US"/>
           </a:p>
           <a:p>
             <a:pPr lvl="0"/>
@@ -3365,7 +3588,14 @@
         <p:cNvGrpSpPr/>
         <p:nvPr/>
       </p:nvGrpSpPr>
-      <p:grpSpPr/>
+      <p:grpSpPr>
+        <a:xfrm>
+          <a:off x="0" y="0"/>
+          <a:ext cx="0" cy="0"/>
+          <a:chOff x="0" y="0"/>
+          <a:chExt cx="0" cy="0"/>
+        </a:xfrm>
+      </p:grpSpPr>
       <p:sp>
         <p:nvSpPr>
           <p:cNvPr id="2" name="标题 1"/>
@@ -3379,19 +3609,24 @@
         <p:spPr/>
         <p:txBody>
           <a:bodyPr>
-            <a:normAutofit fontScale="90000"/>
+            <a:normAutofit/>
           </a:bodyPr>
-          <a:p>
-            <a:r>
-              <a:rPr lang="en-US" altLang="zh-CN">
+          <a:lstStyle/>
+          <a:p>
+            <a:r>
+              <a:rPr lang="en-US" altLang="zh-CN" dirty="0">
                 <a:sym typeface="+mn-ea"/>
               </a:rPr>
               <a:t>Progress Web Apps</a:t>
             </a:r>
+            <a:r>
+              <a:rPr lang="en-US" altLang="zh-CN" dirty="0"/>
+              <a:t/>
+            </a:r>
             <a:br>
-              <a:rPr lang="en-US" altLang="zh-CN"/>
+              <a:rPr lang="en-US" altLang="zh-CN" dirty="0"/>
             </a:br>
-            <a:endParaRPr lang="zh-CN" altLang="en-US"/>
+            <a:endParaRPr lang="zh-CN" altLang="en-US" dirty="0"/>
           </a:p>
         </p:txBody>
       </p:sp>
@@ -3408,137 +3643,175 @@
         <p:spPr/>
         <p:txBody>
           <a:bodyPr/>
+          <a:lstStyle/>
           <a:p>
             <a:pPr lvl="0"/>
             <a:r>
-              <a:rPr lang="zh-CN" altLang="en-US" sz="2800">
+              <a:rPr lang="zh-CN" altLang="en-US" sz="2800" dirty="0" smtClean="0">
                 <a:sym typeface="+mn-ea"/>
               </a:rPr>
               <a:t>特点</a:t>
             </a:r>
-            <a:endParaRPr lang="zh-CN" altLang="en-US" sz="2800">
+            <a:endParaRPr lang="en-US" altLang="zh-CN" sz="2800" dirty="0" smtClean="0">
               <a:sym typeface="+mn-ea"/>
             </a:endParaRPr>
           </a:p>
           <a:p>
             <a:pPr lvl="1"/>
             <a:r>
-              <a:rPr lang="zh-CN" altLang="en-US" sz="2400">
+              <a:rPr lang="zh-CN" altLang="en-US" sz="2400" dirty="0" smtClean="0">
                 <a:sym typeface="+mn-ea"/>
               </a:rPr>
-              <a:t>易发现，</a:t>
-            </a:r>
-            <a:r>
-              <a:rPr lang="zh-CN" altLang="en-US">
+              <a:t>快</a:t>
+            </a:r>
+            <a:endParaRPr lang="en-US" altLang="zh-CN" sz="2400" dirty="0" smtClean="0">
+              <a:sym typeface="+mn-ea"/>
+            </a:endParaRPr>
+          </a:p>
+          <a:p>
+            <a:pPr lvl="1"/>
+            <a:r>
+              <a:rPr lang="zh-CN" altLang="en-US" dirty="0" smtClean="0">
                 <a:sym typeface="+mn-ea"/>
               </a:rPr>
-              <a:t>易获取，搜索引擎友好</a:t>
-            </a:r>
-            <a:endParaRPr lang="zh-CN" altLang="en-US" sz="2400">
+              <a:t>安全</a:t>
+            </a:r>
+            <a:endParaRPr lang="en-US" altLang="zh-CN" dirty="0" smtClean="0">
               <a:sym typeface="+mn-ea"/>
             </a:endParaRPr>
           </a:p>
           <a:p>
             <a:pPr lvl="1"/>
             <a:r>
-              <a:rPr lang="zh-CN" altLang="en-US" sz="2800">
+              <a:rPr lang="zh-CN" altLang="en-US" dirty="0">
+                <a:sym typeface="+mn-ea"/>
+              </a:rPr>
+              <a:t>消息推送，后台</a:t>
+            </a:r>
+            <a:r>
+              <a:rPr lang="zh-CN" altLang="en-US" dirty="0" smtClean="0">
+                <a:sym typeface="+mn-ea"/>
+              </a:rPr>
+              <a:t>更新</a:t>
+            </a:r>
+            <a:endParaRPr lang="zh-CN" altLang="en-US" sz="2400" dirty="0" smtClean="0">
+              <a:sym typeface="+mn-ea"/>
+            </a:endParaRPr>
+          </a:p>
+          <a:p>
+            <a:pPr lvl="1"/>
+            <a:r>
+              <a:rPr lang="zh-CN" altLang="en-US" sz="2400" dirty="0" smtClean="0">
+                <a:sym typeface="+mn-ea"/>
+              </a:rPr>
+              <a:t>易</a:t>
+            </a:r>
+            <a:r>
+              <a:rPr lang="zh-CN" altLang="en-US" sz="2400" dirty="0">
+                <a:sym typeface="+mn-ea"/>
+              </a:rPr>
+              <a:t>发现，</a:t>
+            </a:r>
+            <a:r>
+              <a:rPr lang="zh-CN" altLang="en-US" dirty="0">
+                <a:sym typeface="+mn-ea"/>
+              </a:rPr>
+              <a:t>易获取，搜索引擎</a:t>
+            </a:r>
+            <a:r>
+              <a:rPr lang="zh-CN" altLang="en-US" dirty="0" smtClean="0">
+                <a:sym typeface="+mn-ea"/>
+              </a:rPr>
+              <a:t>友好</a:t>
+            </a:r>
+            <a:endParaRPr lang="en-US" altLang="zh-CN" dirty="0" smtClean="0">
+              <a:sym typeface="+mn-ea"/>
+            </a:endParaRPr>
+          </a:p>
+          <a:p>
+            <a:pPr lvl="1"/>
+            <a:r>
+              <a:rPr lang="zh-CN" altLang="en-US" dirty="0"/>
+              <a:t>方便适应各个系统平台（</a:t>
+            </a:r>
+            <a:r>
+              <a:rPr lang="en-US" altLang="zh-CN" dirty="0"/>
+              <a:t>IOS</a:t>
+            </a:r>
+            <a:r>
+              <a:rPr lang="zh-CN" altLang="en-US" dirty="0"/>
+              <a:t>，</a:t>
+            </a:r>
+            <a:r>
+              <a:rPr lang="en-US" altLang="zh-CN" dirty="0"/>
+              <a:t>Android</a:t>
+            </a:r>
+            <a:r>
+              <a:rPr lang="zh-CN" altLang="en-US" dirty="0"/>
+              <a:t>，</a:t>
+            </a:r>
+            <a:r>
+              <a:rPr lang="en-US" altLang="zh-CN" dirty="0"/>
+              <a:t>H5</a:t>
+            </a:r>
+            <a:r>
+              <a:rPr lang="zh-CN" altLang="en-US" dirty="0" smtClean="0"/>
+              <a:t>）</a:t>
+            </a:r>
+            <a:endParaRPr lang="zh-CN" altLang="en-US" sz="2400" dirty="0">
+              <a:sym typeface="+mn-ea"/>
+            </a:endParaRPr>
+          </a:p>
+          <a:p>
+            <a:pPr lvl="1"/>
+            <a:r>
+              <a:rPr lang="zh-CN" altLang="en-US" sz="2800" dirty="0">
                 <a:sym typeface="+mn-ea"/>
               </a:rPr>
               <a:t>不需要下载安装，只要一个快捷方式</a:t>
             </a:r>
-            <a:endParaRPr lang="zh-CN" altLang="en-US" sz="2800">
-              <a:sym typeface="+mn-ea"/>
-            </a:endParaRPr>
           </a:p>
           <a:p>
             <a:pPr lvl="1"/>
             <a:r>
-              <a:rPr lang="zh-CN" altLang="en-US" sz="2800">
+              <a:rPr lang="zh-CN" altLang="en-US" sz="2800" dirty="0">
                 <a:sym typeface="+mn-ea"/>
               </a:rPr>
               <a:t>方便分享，其实就是分享一个</a:t>
             </a:r>
             <a:r>
-              <a:rPr lang="en-US" altLang="zh-CN" sz="2800">
+              <a:rPr lang="en-US" altLang="zh-CN" sz="2800" dirty="0" err="1">
                 <a:sym typeface="+mn-ea"/>
               </a:rPr>
               <a:t>url</a:t>
             </a:r>
-            <a:endParaRPr lang="en-US" altLang="zh-CN" sz="2800">
+            <a:endParaRPr lang="en-US" altLang="zh-CN" sz="2800" dirty="0">
               <a:sym typeface="+mn-ea"/>
             </a:endParaRPr>
           </a:p>
           <a:p>
             <a:pPr lvl="1"/>
             <a:r>
-              <a:rPr lang="zh-CN" altLang="en-US" sz="2800">
+              <a:rPr lang="zh-CN" altLang="en-US" sz="2800" dirty="0" smtClean="0">
                 <a:sym typeface="+mn-ea"/>
               </a:rPr>
-              <a:t>消息推送，后台更新</a:t>
-            </a:r>
-            <a:endParaRPr lang="zh-CN" altLang="en-US" sz="2800">
+              <a:t>可以</a:t>
+            </a:r>
+            <a:r>
+              <a:rPr lang="zh-CN" altLang="en-US" sz="2800" dirty="0">
+                <a:sym typeface="+mn-ea"/>
+              </a:rPr>
+              <a:t>从普通网站升级，升级失败也就变回普通</a:t>
+            </a:r>
+            <a:r>
+              <a:rPr lang="zh-CN" altLang="en-US" sz="2800" dirty="0" smtClean="0">
+                <a:sym typeface="+mn-ea"/>
+              </a:rPr>
+              <a:t>网站</a:t>
+            </a:r>
+            <a:endParaRPr lang="zh-CN" altLang="en-US" sz="2800" dirty="0">
               <a:sym typeface="+mn-ea"/>
             </a:endParaRPr>
-          </a:p>
-          <a:p>
-            <a:pPr lvl="1"/>
-            <a:r>
-              <a:rPr lang="zh-CN" altLang="en-US" sz="2800">
-                <a:sym typeface="+mn-ea"/>
-              </a:rPr>
-              <a:t>可以从普通网站升级，升级失败也就变回普通网站</a:t>
-            </a:r>
-            <a:endParaRPr lang="zh-CN" altLang="en-US" sz="2800">
-              <a:sym typeface="+mn-ea"/>
-            </a:endParaRPr>
-          </a:p>
-          <a:p>
-            <a:pPr lvl="1"/>
-            <a:r>
-              <a:rPr lang="zh-CN" altLang="en-US"/>
-              <a:t>方便适应各个系统平台（</a:t>
-            </a:r>
-            <a:r>
-              <a:rPr lang="en-US" altLang="zh-CN"/>
-              <a:t>IOS</a:t>
-            </a:r>
-            <a:r>
-              <a:rPr lang="zh-CN" altLang="en-US"/>
-              <a:t>，</a:t>
-            </a:r>
-            <a:r>
-              <a:rPr lang="en-US" altLang="zh-CN"/>
-              <a:t>Android</a:t>
-            </a:r>
-            <a:r>
-              <a:rPr lang="zh-CN" altLang="en-US"/>
-              <a:t>，</a:t>
-            </a:r>
-            <a:r>
-              <a:rPr lang="en-US" altLang="zh-CN"/>
-              <a:t>H5</a:t>
-            </a:r>
-            <a:r>
-              <a:rPr lang="zh-CN" altLang="en-US"/>
-              <a:t>）</a:t>
-            </a:r>
-            <a:endParaRPr lang="zh-CN" altLang="en-US"/>
-          </a:p>
-          <a:p>
-            <a:pPr lvl="1"/>
-            <a:r>
-              <a:rPr lang="zh-CN" altLang="en-US"/>
-              <a:t>安全</a:t>
-            </a:r>
-            <a:endParaRPr lang="zh-CN" altLang="en-US"/>
-          </a:p>
-          <a:p>
-            <a:pPr lvl="1"/>
-            <a:r>
-              <a:rPr lang="zh-CN" altLang="en-US"/>
-              <a:t>快</a:t>
-            </a:r>
-            <a:endParaRPr lang="zh-CN" altLang="en-US"/>
           </a:p>
         </p:txBody>
       </p:sp>
@@ -3559,7 +3832,14 @@
         <p:cNvGrpSpPr/>
         <p:nvPr/>
       </p:nvGrpSpPr>
-      <p:grpSpPr/>
+      <p:grpSpPr>
+        <a:xfrm>
+          <a:off x="0" y="0"/>
+          <a:ext cx="0" cy="0"/>
+          <a:chOff x="0" y="0"/>
+          <a:chExt cx="0" cy="0"/>
+        </a:xfrm>
+      </p:grpSpPr>
       <p:sp>
         <p:nvSpPr>
           <p:cNvPr id="2" name="标题 1"/>
@@ -3573,12 +3853,12 @@
         <p:spPr/>
         <p:txBody>
           <a:bodyPr/>
+          <a:lstStyle/>
           <a:p>
             <a:r>
               <a:rPr lang="zh-CN" altLang="en-US"/>
               <a:t>技术组成</a:t>
             </a:r>
-            <a:endParaRPr lang="zh-CN" altLang="en-US"/>
           </a:p>
         </p:txBody>
       </p:sp>
@@ -3595,68 +3875,481 @@
         <p:spPr/>
         <p:txBody>
           <a:bodyPr/>
-          <a:p>
-            <a:r>
-              <a:rPr lang="zh-CN" altLang="en-US"/>
+          <a:lstStyle/>
+          <a:p>
+            <a:r>
+              <a:rPr lang="zh-CN" altLang="en-US" dirty="0"/>
               <a:t>添加到主屏幕</a:t>
             </a:r>
             <a:r>
-              <a:rPr lang="en-US" altLang="zh-CN"/>
-              <a:t>——manifest.json</a:t>
-            </a:r>
-            <a:endParaRPr lang="en-US" altLang="zh-CN"/>
-          </a:p>
-          <a:p>
-            <a:r>
-              <a:rPr lang="zh-CN" altLang="en-US"/>
+              <a:rPr lang="en-US" altLang="zh-CN" dirty="0" smtClean="0"/>
+              <a:t>——</a:t>
+            </a:r>
+            <a:r>
+              <a:rPr lang="en-US" altLang="zh-CN" dirty="0" err="1"/>
+              <a:t>M</a:t>
+            </a:r>
+            <a:r>
+              <a:rPr lang="en-US" altLang="zh-CN" dirty="0" err="1" smtClean="0"/>
+              <a:t>anifest.json</a:t>
+            </a:r>
+            <a:endParaRPr lang="en-US" altLang="zh-CN" dirty="0"/>
+          </a:p>
+          <a:p>
+            <a:r>
+              <a:rPr lang="zh-CN" altLang="en-US" dirty="0"/>
               <a:t>自适应各个平台</a:t>
             </a:r>
             <a:r>
-              <a:rPr lang="en-US" altLang="zh-CN"/>
+              <a:rPr lang="en-US" altLang="zh-CN" dirty="0"/>
               <a:t>——</a:t>
             </a:r>
             <a:r>
-              <a:rPr lang="zh-CN" altLang="en-US"/>
-              <a:t>响应式设计</a:t>
-            </a:r>
-            <a:endParaRPr lang="zh-CN" altLang="en-US"/>
-          </a:p>
-          <a:p>
-            <a:r>
-              <a:rPr lang="zh-CN" altLang="en-US"/>
+              <a:rPr lang="zh-CN" altLang="en-US" dirty="0"/>
+              <a:t>响应式</a:t>
+            </a:r>
+            <a:r>
+              <a:rPr lang="zh-CN" altLang="en-US" dirty="0" smtClean="0"/>
+              <a:t>设计</a:t>
+            </a:r>
+            <a:r>
+              <a:rPr lang="zh-CN" altLang="en-US" dirty="0" smtClean="0"/>
+              <a:t>、</a:t>
+            </a:r>
+            <a:r>
+              <a:rPr lang="en-US" altLang="zh-CN" dirty="0" smtClean="0"/>
+              <a:t>App Shell</a:t>
+            </a:r>
+            <a:endParaRPr lang="zh-CN" altLang="en-US" dirty="0"/>
+          </a:p>
+          <a:p>
+            <a:r>
+              <a:rPr lang="zh-CN" altLang="en-US" dirty="0"/>
               <a:t>离线存储</a:t>
             </a:r>
             <a:r>
-              <a:rPr lang="en-US" altLang="zh-CN"/>
-              <a:t>——Service Worker</a:t>
-            </a:r>
-            <a:endParaRPr lang="en-US" altLang="zh-CN"/>
-          </a:p>
-          <a:p>
-            <a:r>
-              <a:rPr lang="zh-CN" altLang="en-US"/>
+              <a:rPr lang="en-US" altLang="zh-CN" dirty="0"/>
+              <a:t>——Service </a:t>
+            </a:r>
+            <a:r>
+              <a:rPr lang="en-US" altLang="zh-CN" dirty="0" smtClean="0"/>
+              <a:t>Worker</a:t>
+            </a:r>
+            <a:r>
+              <a:rPr lang="zh-CN" altLang="en-US" dirty="0" smtClean="0"/>
+              <a:t>、</a:t>
+            </a:r>
+            <a:r>
+              <a:rPr lang="en-US" altLang="zh-CN" dirty="0" smtClean="0"/>
+              <a:t>Fetch API</a:t>
+            </a:r>
+            <a:r>
+              <a:rPr lang="zh-CN" altLang="en-US" dirty="0" smtClean="0"/>
+              <a:t>、</a:t>
+            </a:r>
+            <a:r>
+              <a:rPr lang="en-US" altLang="zh-CN" dirty="0" smtClean="0"/>
+              <a:t>Cache API</a:t>
+            </a:r>
+            <a:endParaRPr lang="en-US" altLang="zh-CN" dirty="0"/>
+          </a:p>
+          <a:p>
+            <a:r>
+              <a:rPr lang="zh-CN" altLang="en-US" dirty="0"/>
               <a:t>消息推送</a:t>
             </a:r>
             <a:r>
-              <a:rPr lang="en-US" altLang="zh-CN"/>
+              <a:rPr lang="en-US" altLang="zh-CN" dirty="0"/>
               <a:t>——Push API</a:t>
             </a:r>
-            <a:endParaRPr lang="en-US" altLang="zh-CN"/>
-          </a:p>
-          <a:p>
-            <a:r>
-              <a:rPr lang="zh-CN" altLang="en-US"/>
+          </a:p>
+          <a:p>
+            <a:r>
+              <a:rPr lang="zh-CN" altLang="en-US" dirty="0"/>
               <a:t>安全</a:t>
             </a:r>
             <a:r>
-              <a:rPr lang="en-US" altLang="zh-CN"/>
+              <a:rPr lang="en-US" altLang="zh-CN" dirty="0"/>
               <a:t>——HTTPS</a:t>
             </a:r>
-            <a:endParaRPr lang="en-US" altLang="zh-CN"/>
           </a:p>
         </p:txBody>
       </p:sp>
     </p:spTree>
+  </p:cSld>
+  <p:clrMapOvr>
+    <a:masterClrMapping/>
+  </p:clrMapOvr>
+</p:sld>
+</file>
+
+<file path=ppt/slides/slide7.xml><?xml version="1.0" encoding="utf-8"?>
+<p:sld xmlns:a="http://schemas.openxmlformats.org/drawingml/2006/main" xmlns:r="http://schemas.openxmlformats.org/officeDocument/2006/relationships" xmlns:p="http://schemas.openxmlformats.org/presentationml/2006/main">
+  <p:cSld>
+    <p:spTree>
+      <p:nvGrpSpPr>
+        <p:cNvPr id="1" name=""/>
+        <p:cNvGrpSpPr/>
+        <p:nvPr/>
+      </p:nvGrpSpPr>
+      <p:grpSpPr>
+        <a:xfrm>
+          <a:off x="0" y="0"/>
+          <a:ext cx="0" cy="0"/>
+          <a:chOff x="0" y="0"/>
+          <a:chExt cx="0" cy="0"/>
+        </a:xfrm>
+      </p:grpSpPr>
+      <p:sp>
+        <p:nvSpPr>
+          <p:cNvPr id="2" name="标题 1"/>
+          <p:cNvSpPr>
+            <a:spLocks noGrp="1"/>
+          </p:cNvSpPr>
+          <p:nvPr>
+            <p:ph type="title"/>
+          </p:nvPr>
+        </p:nvSpPr>
+        <p:spPr/>
+        <p:txBody>
+          <a:bodyPr/>
+          <a:lstStyle/>
+          <a:p>
+            <a:r>
+              <a:rPr lang="en-US" altLang="zh-CN" dirty="0" smtClean="0"/>
+              <a:t>Service Worker</a:t>
+            </a:r>
+            <a:endParaRPr lang="zh-CN" altLang="en-US" dirty="0"/>
+          </a:p>
+        </p:txBody>
+      </p:sp>
+      <p:sp>
+        <p:nvSpPr>
+          <p:cNvPr id="3" name="内容占位符 2"/>
+          <p:cNvSpPr>
+            <a:spLocks noGrp="1"/>
+          </p:cNvSpPr>
+          <p:nvPr>
+            <p:ph idx="1"/>
+          </p:nvPr>
+        </p:nvSpPr>
+        <p:spPr/>
+        <p:txBody>
+          <a:bodyPr/>
+          <a:lstStyle/>
+          <a:p>
+            <a:r>
+              <a:rPr lang="zh-CN" altLang="en-US" dirty="0" smtClean="0"/>
+              <a:t>从代码层面，它是一段</a:t>
+            </a:r>
+            <a:r>
+              <a:rPr lang="en-US" altLang="zh-CN" dirty="0" smtClean="0"/>
+              <a:t>JS</a:t>
+            </a:r>
+            <a:r>
+              <a:rPr lang="zh-CN" altLang="en-US" dirty="0" smtClean="0"/>
+              <a:t>脚本</a:t>
+            </a:r>
+            <a:endParaRPr lang="zh-CN" altLang="en-US" dirty="0"/>
+          </a:p>
+        </p:txBody>
+      </p:sp>
+      <p:pic>
+        <p:nvPicPr>
+          <p:cNvPr id="6" name="图片 5"/>
+          <p:cNvPicPr>
+            <a:picLocks noChangeAspect="1"/>
+          </p:cNvPicPr>
+          <p:nvPr/>
+        </p:nvPicPr>
+        <p:blipFill>
+          <a:blip r:embed="rId2"/>
+          <a:stretch>
+            <a:fillRect/>
+          </a:stretch>
+        </p:blipFill>
+        <p:spPr>
+          <a:xfrm>
+            <a:off x="1545760" y="2664935"/>
+            <a:ext cx="7504762" cy="2819048"/>
+          </a:xfrm>
+          <a:prstGeom prst="rect">
+            <a:avLst/>
+          </a:prstGeom>
+        </p:spPr>
+      </p:pic>
+    </p:spTree>
+    <p:extLst>
+      <p:ext uri="{BB962C8B-B14F-4D97-AF65-F5344CB8AC3E}">
+        <p14:creationId xmlns:p14="http://schemas.microsoft.com/office/powerpoint/2010/main" val="3335618386"/>
+      </p:ext>
+    </p:extLst>
+  </p:cSld>
+  <p:clrMapOvr>
+    <a:masterClrMapping/>
+  </p:clrMapOvr>
+</p:sld>
+</file>
+
+<file path=ppt/slides/slide8.xml><?xml version="1.0" encoding="utf-8"?>
+<p:sld xmlns:a="http://schemas.openxmlformats.org/drawingml/2006/main" xmlns:r="http://schemas.openxmlformats.org/officeDocument/2006/relationships" xmlns:p="http://schemas.openxmlformats.org/presentationml/2006/main">
+  <p:cSld>
+    <p:spTree>
+      <p:nvGrpSpPr>
+        <p:cNvPr id="1" name=""/>
+        <p:cNvGrpSpPr/>
+        <p:nvPr/>
+      </p:nvGrpSpPr>
+      <p:grpSpPr>
+        <a:xfrm>
+          <a:off x="0" y="0"/>
+          <a:ext cx="0" cy="0"/>
+          <a:chOff x="0" y="0"/>
+          <a:chExt cx="0" cy="0"/>
+        </a:xfrm>
+      </p:grpSpPr>
+      <p:sp>
+        <p:nvSpPr>
+          <p:cNvPr id="2" name="标题 1"/>
+          <p:cNvSpPr>
+            <a:spLocks noGrp="1"/>
+          </p:cNvSpPr>
+          <p:nvPr>
+            <p:ph type="title"/>
+          </p:nvPr>
+        </p:nvSpPr>
+        <p:spPr/>
+        <p:txBody>
+          <a:bodyPr/>
+          <a:lstStyle/>
+          <a:p>
+            <a:r>
+              <a:rPr lang="en-US" altLang="zh-CN" dirty="0"/>
+              <a:t>Service </a:t>
+            </a:r>
+            <a:r>
+              <a:rPr lang="en-US" altLang="zh-CN" dirty="0" smtClean="0"/>
+              <a:t>Worker</a:t>
+            </a:r>
+            <a:endParaRPr lang="zh-CN" altLang="en-US" dirty="0"/>
+          </a:p>
+        </p:txBody>
+      </p:sp>
+      <p:sp>
+        <p:nvSpPr>
+          <p:cNvPr id="3" name="内容占位符 2"/>
+          <p:cNvSpPr>
+            <a:spLocks noGrp="1"/>
+          </p:cNvSpPr>
+          <p:nvPr>
+            <p:ph idx="1"/>
+          </p:nvPr>
+        </p:nvSpPr>
+        <p:spPr/>
+        <p:txBody>
+          <a:bodyPr/>
+          <a:lstStyle/>
+          <a:p>
+            <a:r>
+              <a:rPr lang="zh-CN" altLang="en-US" dirty="0" smtClean="0"/>
+              <a:t>从运行环境来看，它独立于页面线程。</a:t>
+            </a:r>
+            <a:endParaRPr lang="en-US" altLang="zh-CN" dirty="0" smtClean="0"/>
+          </a:p>
+          <a:p>
+            <a:r>
+              <a:rPr lang="zh-CN" altLang="en-US" dirty="0" smtClean="0"/>
+              <a:t>生命周期由浏览器管理。</a:t>
+            </a:r>
+            <a:endParaRPr lang="en-US" altLang="zh-CN" dirty="0" smtClean="0"/>
+          </a:p>
+          <a:p>
+            <a:pPr lvl="1"/>
+            <a:r>
+              <a:rPr lang="zh-CN" altLang="en-US" dirty="0" smtClean="0"/>
+              <a:t>浏览</a:t>
+            </a:r>
+            <a:r>
+              <a:rPr lang="en-US" altLang="zh-CN" dirty="0" smtClean="0"/>
+              <a:t>Service Worker</a:t>
+            </a:r>
+            <a:r>
+              <a:rPr lang="zh-CN" altLang="en-US" dirty="0" smtClean="0"/>
+              <a:t>作用域下的链接时自动激活，页面关闭后依然存在。</a:t>
+            </a:r>
+            <a:endParaRPr lang="en-US" altLang="zh-CN" dirty="0" smtClean="0"/>
+          </a:p>
+          <a:p>
+            <a:pPr lvl="1"/>
+            <a:r>
+              <a:rPr lang="zh-CN" altLang="en-US" dirty="0"/>
+              <a:t>后台运行，</a:t>
+            </a:r>
+            <a:r>
+              <a:rPr lang="zh-CN" altLang="en-US" dirty="0" smtClean="0"/>
+              <a:t>长时间不用或内存不够时会被销毁。</a:t>
+            </a:r>
+            <a:endParaRPr lang="en-US" altLang="zh-CN" dirty="0" smtClean="0"/>
+          </a:p>
+          <a:p>
+            <a:r>
+              <a:rPr lang="zh-CN" altLang="en-US" dirty="0"/>
+              <a:t>页面</a:t>
+            </a:r>
+            <a:r>
+              <a:rPr lang="zh-CN" altLang="en-US" dirty="0" smtClean="0"/>
+              <a:t>和</a:t>
+            </a:r>
+            <a:r>
+              <a:rPr lang="en-US" altLang="zh-CN" dirty="0" smtClean="0"/>
+              <a:t>Service Worker</a:t>
+            </a:r>
+            <a:r>
+              <a:rPr lang="zh-CN" altLang="en-US" dirty="0"/>
+              <a:t>之间可以通过</a:t>
+            </a:r>
+            <a:r>
+              <a:rPr lang="en-US" altLang="zh-CN" dirty="0" err="1" smtClean="0"/>
+              <a:t>postMessage</a:t>
+            </a:r>
+            <a:r>
+              <a:rPr lang="en-US" altLang="zh-CN" dirty="0"/>
+              <a:t>()</a:t>
+            </a:r>
+            <a:r>
+              <a:rPr lang="zh-CN" altLang="en-US" dirty="0"/>
+              <a:t>方法发送消息，发送的消息可以通过</a:t>
+            </a:r>
+            <a:r>
+              <a:rPr lang="en-US" altLang="zh-CN" dirty="0"/>
+              <a:t>message</a:t>
+            </a:r>
+            <a:r>
+              <a:rPr lang="zh-CN" altLang="en-US" dirty="0"/>
+              <a:t>事件接收到。</a:t>
+            </a:r>
+            <a:endParaRPr lang="zh-CN" altLang="en-US" dirty="0"/>
+          </a:p>
+        </p:txBody>
+      </p:sp>
+    </p:spTree>
+    <p:extLst>
+      <p:ext uri="{BB962C8B-B14F-4D97-AF65-F5344CB8AC3E}">
+        <p14:creationId xmlns:p14="http://schemas.microsoft.com/office/powerpoint/2010/main" val="639130709"/>
+      </p:ext>
+    </p:extLst>
+  </p:cSld>
+  <p:clrMapOvr>
+    <a:masterClrMapping/>
+  </p:clrMapOvr>
+</p:sld>
+</file>
+
+<file path=ppt/slides/slide9.xml><?xml version="1.0" encoding="utf-8"?>
+<p:sld xmlns:a="http://schemas.openxmlformats.org/drawingml/2006/main" xmlns:r="http://schemas.openxmlformats.org/officeDocument/2006/relationships" xmlns:p="http://schemas.openxmlformats.org/presentationml/2006/main">
+  <p:cSld>
+    <p:spTree>
+      <p:nvGrpSpPr>
+        <p:cNvPr id="1" name=""/>
+        <p:cNvGrpSpPr/>
+        <p:nvPr/>
+      </p:nvGrpSpPr>
+      <p:grpSpPr>
+        <a:xfrm>
+          <a:off x="0" y="0"/>
+          <a:ext cx="0" cy="0"/>
+          <a:chOff x="0" y="0"/>
+          <a:chExt cx="0" cy="0"/>
+        </a:xfrm>
+      </p:grpSpPr>
+      <p:sp>
+        <p:nvSpPr>
+          <p:cNvPr id="2" name="标题 1"/>
+          <p:cNvSpPr>
+            <a:spLocks noGrp="1"/>
+          </p:cNvSpPr>
+          <p:nvPr>
+            <p:ph type="title"/>
+          </p:nvPr>
+        </p:nvSpPr>
+        <p:spPr/>
+        <p:txBody>
+          <a:bodyPr/>
+          <a:lstStyle/>
+          <a:p>
+            <a:r>
+              <a:rPr lang="en-US" altLang="zh-CN" dirty="0"/>
+              <a:t>Service </a:t>
+            </a:r>
+            <a:r>
+              <a:rPr lang="en-US" altLang="zh-CN" dirty="0" smtClean="0"/>
+              <a:t>Worker </a:t>
+            </a:r>
+            <a:r>
+              <a:rPr lang="zh-CN" altLang="en-US" dirty="0"/>
+              <a:t>功能</a:t>
+            </a:r>
+          </a:p>
+        </p:txBody>
+      </p:sp>
+      <p:sp>
+        <p:nvSpPr>
+          <p:cNvPr id="3" name="内容占位符 2"/>
+          <p:cNvSpPr>
+            <a:spLocks noGrp="1"/>
+          </p:cNvSpPr>
+          <p:nvPr>
+            <p:ph idx="1"/>
+          </p:nvPr>
+        </p:nvSpPr>
+        <p:spPr/>
+        <p:txBody>
+          <a:bodyPr/>
+          <a:lstStyle/>
+          <a:p>
+            <a:r>
+              <a:rPr lang="zh-CN" altLang="en-US" dirty="0"/>
+              <a:t>后台消息传递</a:t>
+            </a:r>
+          </a:p>
+          <a:p>
+            <a:r>
+              <a:rPr lang="zh-CN" altLang="en-US" dirty="0"/>
+              <a:t>网络代理，转发请求，伪造响应</a:t>
+            </a:r>
+          </a:p>
+          <a:p>
+            <a:r>
+              <a:rPr lang="zh-CN" altLang="en-US" dirty="0"/>
+              <a:t>离线缓存</a:t>
+            </a:r>
+          </a:p>
+          <a:p>
+            <a:r>
+              <a:rPr lang="zh-CN" altLang="en-US" dirty="0"/>
+              <a:t>消息推</a:t>
+            </a:r>
+            <a:r>
+              <a:rPr lang="zh-CN" altLang="en-US" dirty="0" smtClean="0"/>
+              <a:t>送</a:t>
+            </a:r>
+            <a:endParaRPr lang="en-US" altLang="zh-CN" dirty="0" smtClean="0"/>
+          </a:p>
+          <a:p>
+            <a:r>
+              <a:rPr lang="en-US" altLang="zh-CN" dirty="0" smtClean="0"/>
+              <a:t>……</a:t>
+            </a:r>
+            <a:endParaRPr lang="zh-CN" altLang="en-US" dirty="0"/>
+          </a:p>
+        </p:txBody>
+      </p:sp>
+    </p:spTree>
+    <p:extLst>
+      <p:ext uri="{BB962C8B-B14F-4D97-AF65-F5344CB8AC3E}">
+        <p14:creationId xmlns:p14="http://schemas.microsoft.com/office/powerpoint/2010/main" val="4137210034"/>
+      </p:ext>
+    </p:extLst>
   </p:cSld>
   <p:clrMapOvr>
     <a:masterClrMapping/>
